--- a/C++언어/수업자료/C++_5_생성자_Static_소멸자.pptx
+++ b/C++언어/수업자료/C++_5_생성자_Static_소멸자.pptx
@@ -41,20 +41,20 @@
   <p:notesSz cx="6858000" cy="9144000"/>
   <p:embeddedFontLst>
     <p:embeddedFont>
-      <p:font typeface="Yoon 윤고딕 520_TT" charset="-127"/>
+      <p:font typeface="HY헤드라인M" pitchFamily="18" charset="-127"/>
       <p:regular r:id="rId31"/>
     </p:embeddedFont>
     <p:embeddedFont>
-      <p:font typeface="HY강M" charset="-127"/>
-      <p:regular r:id="rId32"/>
-    </p:embeddedFont>
-    <p:embeddedFont>
       <p:font typeface="Segoe UI Black" pitchFamily="34" charset="0"/>
-      <p:bold r:id="rId33"/>
-      <p:boldItalic r:id="rId34"/>
+      <p:bold r:id="rId32"/>
+      <p:boldItalic r:id="rId33"/>
     </p:embeddedFont>
     <p:embeddedFont>
       <p:font typeface="HY견고딕" pitchFamily="18" charset="-127"/>
+      <p:regular r:id="rId34"/>
+    </p:embeddedFont>
+    <p:embeddedFont>
+      <p:font typeface="Yoon 윤고딕 520_TT" charset="-127"/>
       <p:regular r:id="rId35"/>
     </p:embeddedFont>
     <p:embeddedFont>
@@ -67,7 +67,7 @@
       <p:regular r:id="rId38"/>
     </p:embeddedFont>
     <p:embeddedFont>
-      <p:font typeface="HY헤드라인M" pitchFamily="18" charset="-127"/>
+      <p:font typeface="HY강M" charset="-127"/>
       <p:regular r:id="rId39"/>
     </p:embeddedFont>
   </p:embeddedFontLst>
@@ -252,7 +252,7 @@
             <a:fld id="{E2E81C77-485D-47AA-9839-DA75671EEAD7}" type="datetimeFigureOut">
               <a:rPr lang="ko-KR" altLang="en-US" smtClean="0"/>
               <a:pPr/>
-              <a:t>2022-01-27</a:t>
+              <a:t>2022-01-28</a:t>
             </a:fld>
             <a:endParaRPr lang="ko-KR" altLang="en-US"/>
           </a:p>
@@ -665,9 +665,7 @@
         </p:nvSpPr>
         <p:spPr/>
         <p:txBody>
-          <a:bodyPr>
-            <a:normAutofit/>
-          </a:bodyPr>
+          <a:bodyPr/>
           <a:lstStyle/>
           <a:p>
             <a:endParaRPr lang="ko-KR" altLang="en-US" dirty="0"/>
@@ -692,6 +690,93 @@
             <a:fld id="{15317825-7312-444A-A32A-E4ADCED38ACF}" type="slidenum">
               <a:rPr lang="ko-KR" altLang="en-US" smtClean="0"/>
               <a:pPr/>
+              <a:t>21</a:t>
+            </a:fld>
+            <a:endParaRPr lang="ko-KR" altLang="en-US"/>
+          </a:p>
+        </p:txBody>
+      </p:sp>
+    </p:spTree>
+    <p:extLst>
+      <p:ext uri="{BB962C8B-B14F-4D97-AF65-F5344CB8AC3E}">
+        <p14:creationId xmlns:p14="http://schemas.microsoft.com/office/powerpoint/2010/main" val="1342637273"/>
+      </p:ext>
+    </p:extLst>
+  </p:cSld>
+  <p:clrMapOvr>
+    <a:masterClrMapping/>
+  </p:clrMapOvr>
+</p:notes>
+</file>
+
+<file path=ppt/notesSlides/notesSlide11.xml><?xml version="1.0" encoding="utf-8"?>
+<p:notes xmlns:a="http://schemas.openxmlformats.org/drawingml/2006/main" xmlns:r="http://schemas.openxmlformats.org/officeDocument/2006/relationships" xmlns:p="http://schemas.openxmlformats.org/presentationml/2006/main">
+  <p:cSld>
+    <p:spTree>
+      <p:nvGrpSpPr>
+        <p:cNvPr id="1" name=""/>
+        <p:cNvGrpSpPr/>
+        <p:nvPr/>
+      </p:nvGrpSpPr>
+      <p:grpSpPr>
+        <a:xfrm>
+          <a:off x="0" y="0"/>
+          <a:ext cx="0" cy="0"/>
+          <a:chOff x="0" y="0"/>
+          <a:chExt cx="0" cy="0"/>
+        </a:xfrm>
+      </p:grpSpPr>
+      <p:sp>
+        <p:nvSpPr>
+          <p:cNvPr id="2" name="슬라이드 이미지 개체 틀 1"/>
+          <p:cNvSpPr>
+            <a:spLocks noGrp="1" noRot="1" noChangeAspect="1"/>
+          </p:cNvSpPr>
+          <p:nvPr>
+            <p:ph type="sldImg"/>
+          </p:nvPr>
+        </p:nvSpPr>
+        <p:spPr/>
+      </p:sp>
+      <p:sp>
+        <p:nvSpPr>
+          <p:cNvPr id="3" name="슬라이드 노트 개체 틀 2"/>
+          <p:cNvSpPr>
+            <a:spLocks noGrp="1"/>
+          </p:cNvSpPr>
+          <p:nvPr>
+            <p:ph type="body" idx="1"/>
+          </p:nvPr>
+        </p:nvSpPr>
+        <p:spPr/>
+        <p:txBody>
+          <a:bodyPr>
+            <a:normAutofit/>
+          </a:bodyPr>
+          <a:lstStyle/>
+          <a:p>
+            <a:endParaRPr lang="ko-KR" altLang="en-US" dirty="0"/>
+          </a:p>
+        </p:txBody>
+      </p:sp>
+      <p:sp>
+        <p:nvSpPr>
+          <p:cNvPr id="4" name="슬라이드 번호 개체 틀 3"/>
+          <p:cNvSpPr>
+            <a:spLocks noGrp="1"/>
+          </p:cNvSpPr>
+          <p:nvPr>
+            <p:ph type="sldNum" sz="quarter" idx="10"/>
+          </p:nvPr>
+        </p:nvSpPr>
+        <p:spPr/>
+        <p:txBody>
+          <a:bodyPr/>
+          <a:lstStyle/>
+          <a:p>
+            <a:fld id="{15317825-7312-444A-A32A-E4ADCED38ACF}" type="slidenum">
+              <a:rPr lang="ko-KR" altLang="en-US" smtClean="0"/>
+              <a:pPr/>
               <a:t>22</a:t>
             </a:fld>
             <a:endParaRPr lang="ko-KR" altLang="en-US"/>
@@ -699,6 +784,549 @@
         </p:txBody>
       </p:sp>
     </p:spTree>
+  </p:cSld>
+  <p:clrMapOvr>
+    <a:masterClrMapping/>
+  </p:clrMapOvr>
+</p:notes>
+</file>
+
+<file path=ppt/notesSlides/notesSlide12.xml><?xml version="1.0" encoding="utf-8"?>
+<p:notes xmlns:a="http://schemas.openxmlformats.org/drawingml/2006/main" xmlns:r="http://schemas.openxmlformats.org/officeDocument/2006/relationships" xmlns:p="http://schemas.openxmlformats.org/presentationml/2006/main">
+  <p:cSld>
+    <p:spTree>
+      <p:nvGrpSpPr>
+        <p:cNvPr id="1" name=""/>
+        <p:cNvGrpSpPr/>
+        <p:nvPr/>
+      </p:nvGrpSpPr>
+      <p:grpSpPr>
+        <a:xfrm>
+          <a:off x="0" y="0"/>
+          <a:ext cx="0" cy="0"/>
+          <a:chOff x="0" y="0"/>
+          <a:chExt cx="0" cy="0"/>
+        </a:xfrm>
+      </p:grpSpPr>
+      <p:sp>
+        <p:nvSpPr>
+          <p:cNvPr id="2" name="슬라이드 이미지 개체 틀 1"/>
+          <p:cNvSpPr>
+            <a:spLocks noGrp="1" noRot="1" noChangeAspect="1"/>
+          </p:cNvSpPr>
+          <p:nvPr>
+            <p:ph type="sldImg"/>
+          </p:nvPr>
+        </p:nvSpPr>
+        <p:spPr/>
+      </p:sp>
+      <p:sp>
+        <p:nvSpPr>
+          <p:cNvPr id="3" name="슬라이드 노트 개체 틀 2"/>
+          <p:cNvSpPr>
+            <a:spLocks noGrp="1"/>
+          </p:cNvSpPr>
+          <p:nvPr>
+            <p:ph type="body" idx="1"/>
+          </p:nvPr>
+        </p:nvSpPr>
+        <p:spPr/>
+        <p:txBody>
+          <a:bodyPr/>
+          <a:lstStyle/>
+          <a:p>
+            <a:r>
+              <a:rPr lang="ko-KR" altLang="en-US" dirty="0" smtClean="0"/>
+              <a:t>전역 변수는  어디서든 쓸 수 있다는 단점</a:t>
+            </a:r>
+            <a:endParaRPr lang="en-US" altLang="ko-KR" dirty="0" smtClean="0"/>
+          </a:p>
+          <a:p>
+            <a:endParaRPr lang="en-US" altLang="ko-KR" dirty="0" smtClean="0"/>
+          </a:p>
+          <a:p>
+            <a:r>
+              <a:rPr lang="ko-KR" altLang="en-US" dirty="0" smtClean="0"/>
+              <a:t>메모리가 할당 되는 시점은 프로그램의 시작과 끝을 같이한다</a:t>
+            </a:r>
+            <a:r>
+              <a:rPr lang="en-US" altLang="ko-KR" dirty="0" smtClean="0"/>
+              <a:t>.</a:t>
+            </a:r>
+          </a:p>
+          <a:p>
+            <a:endParaRPr lang="en-US" altLang="ko-KR" dirty="0" smtClean="0"/>
+          </a:p>
+          <a:p>
+            <a:r>
+              <a:rPr lang="ko-KR" altLang="en-US" dirty="0" smtClean="0"/>
+              <a:t>전역변수는 프로그램이 </a:t>
+            </a:r>
+            <a:r>
+              <a:rPr lang="ko-KR" altLang="en-US" dirty="0" err="1" smtClean="0"/>
+              <a:t>끝날때까지</a:t>
+            </a:r>
+            <a:r>
+              <a:rPr lang="ko-KR" altLang="en-US" dirty="0" smtClean="0"/>
+              <a:t> 사용 </a:t>
+            </a:r>
+            <a:endParaRPr lang="en-US" altLang="ko-KR" dirty="0" smtClean="0"/>
+          </a:p>
+          <a:p>
+            <a:endParaRPr lang="en-US" altLang="ko-KR" dirty="0" smtClean="0"/>
+          </a:p>
+          <a:p>
+            <a:r>
+              <a:rPr lang="ko-KR" altLang="en-US" dirty="0" smtClean="0"/>
+              <a:t>전역 변수의 장점만 사용하는 것이 </a:t>
+            </a:r>
+            <a:r>
+              <a:rPr lang="en-US" altLang="ko-KR" dirty="0" smtClean="0"/>
+              <a:t>Static</a:t>
+            </a:r>
+            <a:r>
+              <a:rPr lang="ko-KR" altLang="en-US" dirty="0" smtClean="0"/>
+              <a:t> </a:t>
+            </a:r>
+            <a:endParaRPr lang="ko-KR" altLang="en-US" dirty="0"/>
+          </a:p>
+        </p:txBody>
+      </p:sp>
+      <p:sp>
+        <p:nvSpPr>
+          <p:cNvPr id="4" name="슬라이드 번호 개체 틀 3"/>
+          <p:cNvSpPr>
+            <a:spLocks noGrp="1"/>
+          </p:cNvSpPr>
+          <p:nvPr>
+            <p:ph type="sldNum" sz="quarter" idx="10"/>
+          </p:nvPr>
+        </p:nvSpPr>
+        <p:spPr/>
+        <p:txBody>
+          <a:bodyPr/>
+          <a:lstStyle/>
+          <a:p>
+            <a:fld id="{15317825-7312-444A-A32A-E4ADCED38ACF}" type="slidenum">
+              <a:rPr lang="ko-KR" altLang="en-US" smtClean="0"/>
+              <a:pPr/>
+              <a:t>24</a:t>
+            </a:fld>
+            <a:endParaRPr lang="ko-KR" altLang="en-US"/>
+          </a:p>
+        </p:txBody>
+      </p:sp>
+    </p:spTree>
+    <p:extLst>
+      <p:ext uri="{BB962C8B-B14F-4D97-AF65-F5344CB8AC3E}">
+        <p14:creationId xmlns:p14="http://schemas.microsoft.com/office/powerpoint/2010/main" val="3656763909"/>
+      </p:ext>
+    </p:extLst>
+  </p:cSld>
+  <p:clrMapOvr>
+    <a:masterClrMapping/>
+  </p:clrMapOvr>
+</p:notes>
+</file>
+
+<file path=ppt/notesSlides/notesSlide13.xml><?xml version="1.0" encoding="utf-8"?>
+<p:notes xmlns:a="http://schemas.openxmlformats.org/drawingml/2006/main" xmlns:r="http://schemas.openxmlformats.org/officeDocument/2006/relationships" xmlns:p="http://schemas.openxmlformats.org/presentationml/2006/main">
+  <p:cSld>
+    <p:spTree>
+      <p:nvGrpSpPr>
+        <p:cNvPr id="1" name=""/>
+        <p:cNvGrpSpPr/>
+        <p:nvPr/>
+      </p:nvGrpSpPr>
+      <p:grpSpPr>
+        <a:xfrm>
+          <a:off x="0" y="0"/>
+          <a:ext cx="0" cy="0"/>
+          <a:chOff x="0" y="0"/>
+          <a:chExt cx="0" cy="0"/>
+        </a:xfrm>
+      </p:grpSpPr>
+      <p:sp>
+        <p:nvSpPr>
+          <p:cNvPr id="2" name="슬라이드 이미지 개체 틀 1"/>
+          <p:cNvSpPr>
+            <a:spLocks noGrp="1" noRot="1" noChangeAspect="1"/>
+          </p:cNvSpPr>
+          <p:nvPr>
+            <p:ph type="sldImg"/>
+          </p:nvPr>
+        </p:nvSpPr>
+        <p:spPr/>
+      </p:sp>
+      <p:sp>
+        <p:nvSpPr>
+          <p:cNvPr id="3" name="슬라이드 노트 개체 틀 2"/>
+          <p:cNvSpPr>
+            <a:spLocks noGrp="1"/>
+          </p:cNvSpPr>
+          <p:nvPr>
+            <p:ph type="body" idx="1"/>
+          </p:nvPr>
+        </p:nvSpPr>
+        <p:spPr/>
+        <p:txBody>
+          <a:bodyPr/>
+          <a:lstStyle/>
+          <a:p>
+            <a:r>
+              <a:rPr lang="ko-KR" altLang="en-US" dirty="0" smtClean="0"/>
+              <a:t>객체가</a:t>
+            </a:r>
+            <a:r>
+              <a:rPr lang="en-US" altLang="ko-KR" dirty="0" smtClean="0"/>
+              <a:t> </a:t>
+            </a:r>
+            <a:r>
+              <a:rPr lang="ko-KR" altLang="en-US" dirty="0" err="1" smtClean="0"/>
+              <a:t>스태틱변수를</a:t>
+            </a:r>
+            <a:r>
+              <a:rPr lang="ko-KR" altLang="en-US" dirty="0" smtClean="0"/>
+              <a:t> 공유 즉 클래스의 전역변수가 된다</a:t>
+            </a:r>
+            <a:r>
+              <a:rPr lang="en-US" altLang="ko-KR" dirty="0" smtClean="0"/>
+              <a:t>.</a:t>
+            </a:r>
+          </a:p>
+          <a:p>
+            <a:endParaRPr lang="en-US" altLang="ko-KR" dirty="0" smtClean="0"/>
+          </a:p>
+          <a:p>
+            <a:r>
+              <a:rPr lang="ko-KR" altLang="en-US" dirty="0" smtClean="0"/>
+              <a:t>클래스는 기본적으로 </a:t>
+            </a:r>
+            <a:r>
+              <a:rPr lang="ko-KR" altLang="en-US" dirty="0" err="1" smtClean="0"/>
+              <a:t>맴버변수를</a:t>
+            </a:r>
+            <a:r>
+              <a:rPr lang="ko-KR" altLang="en-US" dirty="0" smtClean="0"/>
+              <a:t> 선언하는 공간이다</a:t>
+            </a:r>
+            <a:r>
+              <a:rPr lang="en-US" altLang="ko-KR" dirty="0" smtClean="0"/>
+              <a:t>.</a:t>
+            </a:r>
+          </a:p>
+          <a:p>
+            <a:endParaRPr lang="en-US" altLang="ko-KR" dirty="0" smtClean="0"/>
+          </a:p>
+          <a:p>
+            <a:pPr marL="0" marR="0" indent="0" algn="l" defTabSz="914400" rtl="0" eaLnBrk="1" fontAlgn="auto" latinLnBrk="1" hangingPunct="1">
+              <a:lnSpc>
+                <a:spcPct val="100000"/>
+              </a:lnSpc>
+              <a:spcBef>
+                <a:spcPts val="0"/>
+              </a:spcBef>
+              <a:spcAft>
+                <a:spcPts val="0"/>
+              </a:spcAft>
+              <a:buClrTx/>
+              <a:buSzTx/>
+              <a:buFontTx/>
+              <a:buNone/>
+              <a:tabLst/>
+              <a:defRPr/>
+            </a:pPr>
+            <a:r>
+              <a:rPr lang="ko-KR" altLang="en-US" dirty="0" smtClean="0"/>
+              <a:t>즉 실질적인 전역변수의</a:t>
+            </a:r>
+            <a:r>
+              <a:rPr lang="ko-KR" altLang="en-US" baseline="0" dirty="0" smtClean="0"/>
+              <a:t> 선언은 </a:t>
+            </a:r>
+            <a:r>
+              <a:rPr lang="en-US" altLang="ko-KR" sz="1200" baseline="0" dirty="0" smtClean="0">
+                <a:ln>
+                  <a:solidFill>
+                    <a:schemeClr val="tx1">
+                      <a:alpha val="30000"/>
+                    </a:schemeClr>
+                  </a:solidFill>
+                </a:ln>
+                <a:solidFill>
+                  <a:srgbClr val="272123"/>
+                </a:solidFill>
+                <a:latin typeface="HY견고딕" pitchFamily="18" charset="-127"/>
+                <a:ea typeface="HY견고딕" pitchFamily="18" charset="-127"/>
+              </a:rPr>
+              <a:t> </a:t>
+            </a:r>
+            <a:r>
+              <a:rPr lang="en-US" altLang="ko-KR" sz="1200" dirty="0" err="1" smtClean="0">
+                <a:ln>
+                  <a:solidFill>
+                    <a:schemeClr val="tx1">
+                      <a:alpha val="30000"/>
+                    </a:schemeClr>
+                  </a:solidFill>
+                </a:ln>
+                <a:solidFill>
+                  <a:srgbClr val="272123"/>
+                </a:solidFill>
+                <a:latin typeface="HY견고딕" pitchFamily="18" charset="-127"/>
+                <a:ea typeface="HY견고딕" pitchFamily="18" charset="-127"/>
+              </a:rPr>
+              <a:t>int</a:t>
+            </a:r>
+            <a:r>
+              <a:rPr lang="en-US" altLang="ko-KR" sz="1200" dirty="0" smtClean="0">
+                <a:ln>
+                  <a:solidFill>
+                    <a:schemeClr val="tx1">
+                      <a:alpha val="30000"/>
+                    </a:schemeClr>
+                  </a:solidFill>
+                </a:ln>
+                <a:solidFill>
+                  <a:srgbClr val="272123"/>
+                </a:solidFill>
+                <a:latin typeface="HY견고딕" pitchFamily="18" charset="-127"/>
+                <a:ea typeface="HY견고딕" pitchFamily="18" charset="-127"/>
+              </a:rPr>
+              <a:t> A::count = 0;</a:t>
+            </a:r>
+            <a:r>
+              <a:rPr lang="ko-KR" altLang="en-US" sz="1200" dirty="0" smtClean="0">
+                <a:ln>
+                  <a:solidFill>
+                    <a:schemeClr val="tx1">
+                      <a:alpha val="30000"/>
+                    </a:schemeClr>
+                  </a:solidFill>
+                </a:ln>
+                <a:solidFill>
+                  <a:srgbClr val="272123"/>
+                </a:solidFill>
+                <a:latin typeface="HY견고딕" pitchFamily="18" charset="-127"/>
+                <a:ea typeface="HY견고딕" pitchFamily="18" charset="-127"/>
+              </a:rPr>
+              <a:t>이고  이것은 헤드파일이 아닌 </a:t>
+            </a:r>
+            <a:r>
+              <a:rPr lang="en-US" altLang="ko-KR" sz="1200" dirty="0" err="1" smtClean="0">
+                <a:ln>
+                  <a:solidFill>
+                    <a:schemeClr val="tx1">
+                      <a:alpha val="30000"/>
+                    </a:schemeClr>
+                  </a:solidFill>
+                </a:ln>
+                <a:solidFill>
+                  <a:srgbClr val="272123"/>
+                </a:solidFill>
+                <a:latin typeface="HY견고딕" pitchFamily="18" charset="-127"/>
+                <a:ea typeface="HY견고딕" pitchFamily="18" charset="-127"/>
+              </a:rPr>
+              <a:t>cpp</a:t>
+            </a:r>
+            <a:r>
+              <a:rPr lang="ko-KR" altLang="en-US" sz="1200" dirty="0" smtClean="0">
+                <a:ln>
+                  <a:solidFill>
+                    <a:schemeClr val="tx1">
+                      <a:alpha val="30000"/>
+                    </a:schemeClr>
+                  </a:solidFill>
+                </a:ln>
+                <a:solidFill>
+                  <a:srgbClr val="272123"/>
+                </a:solidFill>
+                <a:latin typeface="HY견고딕" pitchFamily="18" charset="-127"/>
+                <a:ea typeface="HY견고딕" pitchFamily="18" charset="-127"/>
+              </a:rPr>
+              <a:t>파일에서 선언한다</a:t>
+            </a:r>
+            <a:r>
+              <a:rPr lang="en-US" altLang="ko-KR" sz="1200" dirty="0" smtClean="0">
+                <a:ln>
+                  <a:solidFill>
+                    <a:schemeClr val="tx1">
+                      <a:alpha val="30000"/>
+                    </a:schemeClr>
+                  </a:solidFill>
+                </a:ln>
+                <a:solidFill>
+                  <a:srgbClr val="272123"/>
+                </a:solidFill>
+                <a:latin typeface="HY견고딕" pitchFamily="18" charset="-127"/>
+                <a:ea typeface="HY견고딕" pitchFamily="18" charset="-127"/>
+              </a:rPr>
+              <a:t>.</a:t>
+            </a:r>
+          </a:p>
+          <a:p>
+            <a:endParaRPr lang="ko-KR" altLang="en-US" dirty="0"/>
+          </a:p>
+        </p:txBody>
+      </p:sp>
+      <p:sp>
+        <p:nvSpPr>
+          <p:cNvPr id="4" name="슬라이드 번호 개체 틀 3"/>
+          <p:cNvSpPr>
+            <a:spLocks noGrp="1"/>
+          </p:cNvSpPr>
+          <p:nvPr>
+            <p:ph type="sldNum" sz="quarter" idx="10"/>
+          </p:nvPr>
+        </p:nvSpPr>
+        <p:spPr/>
+        <p:txBody>
+          <a:bodyPr/>
+          <a:lstStyle/>
+          <a:p>
+            <a:fld id="{15317825-7312-444A-A32A-E4ADCED38ACF}" type="slidenum">
+              <a:rPr lang="ko-KR" altLang="en-US" smtClean="0"/>
+              <a:pPr/>
+              <a:t>26</a:t>
+            </a:fld>
+            <a:endParaRPr lang="ko-KR" altLang="en-US"/>
+          </a:p>
+        </p:txBody>
+      </p:sp>
+    </p:spTree>
+    <p:extLst>
+      <p:ext uri="{BB962C8B-B14F-4D97-AF65-F5344CB8AC3E}">
+        <p14:creationId xmlns:p14="http://schemas.microsoft.com/office/powerpoint/2010/main" val="2294530843"/>
+      </p:ext>
+    </p:extLst>
+  </p:cSld>
+  <p:clrMapOvr>
+    <a:masterClrMapping/>
+  </p:clrMapOvr>
+</p:notes>
+</file>
+
+<file path=ppt/notesSlides/notesSlide14.xml><?xml version="1.0" encoding="utf-8"?>
+<p:notes xmlns:a="http://schemas.openxmlformats.org/drawingml/2006/main" xmlns:r="http://schemas.openxmlformats.org/officeDocument/2006/relationships" xmlns:p="http://schemas.openxmlformats.org/presentationml/2006/main">
+  <p:cSld>
+    <p:spTree>
+      <p:nvGrpSpPr>
+        <p:cNvPr id="1" name=""/>
+        <p:cNvGrpSpPr/>
+        <p:nvPr/>
+      </p:nvGrpSpPr>
+      <p:grpSpPr>
+        <a:xfrm>
+          <a:off x="0" y="0"/>
+          <a:ext cx="0" cy="0"/>
+          <a:chOff x="0" y="0"/>
+          <a:chExt cx="0" cy="0"/>
+        </a:xfrm>
+      </p:grpSpPr>
+      <p:sp>
+        <p:nvSpPr>
+          <p:cNvPr id="2" name="슬라이드 이미지 개체 틀 1"/>
+          <p:cNvSpPr>
+            <a:spLocks noGrp="1" noRot="1" noChangeAspect="1"/>
+          </p:cNvSpPr>
+          <p:nvPr>
+            <p:ph type="sldImg"/>
+          </p:nvPr>
+        </p:nvSpPr>
+        <p:spPr/>
+      </p:sp>
+      <p:sp>
+        <p:nvSpPr>
+          <p:cNvPr id="3" name="슬라이드 노트 개체 틀 2"/>
+          <p:cNvSpPr>
+            <a:spLocks noGrp="1"/>
+          </p:cNvSpPr>
+          <p:nvPr>
+            <p:ph type="body" idx="1"/>
+          </p:nvPr>
+        </p:nvSpPr>
+        <p:spPr/>
+        <p:txBody>
+          <a:bodyPr/>
+          <a:lstStyle/>
+          <a:p>
+            <a:r>
+              <a:rPr lang="ko-KR" altLang="en-US" dirty="0" smtClean="0"/>
+              <a:t>특정 클래스에서만 </a:t>
+            </a:r>
+            <a:r>
+              <a:rPr lang="ko-KR" altLang="en-US" dirty="0" err="1" smtClean="0"/>
+              <a:t>쓸수</a:t>
+            </a:r>
+            <a:r>
+              <a:rPr lang="ko-KR" altLang="en-US" dirty="0" smtClean="0"/>
+              <a:t> 있는 전역함수</a:t>
+            </a:r>
+            <a:endParaRPr lang="en-US" altLang="ko-KR" dirty="0" smtClean="0"/>
+          </a:p>
+          <a:p>
+            <a:r>
+              <a:rPr lang="ko-KR" altLang="en-US" dirty="0" err="1" smtClean="0"/>
+              <a:t>스태틱</a:t>
+            </a:r>
+            <a:r>
+              <a:rPr lang="ko-KR" altLang="en-US" dirty="0" smtClean="0"/>
+              <a:t> </a:t>
+            </a:r>
+            <a:r>
+              <a:rPr lang="ko-KR" altLang="en-US" dirty="0" err="1" smtClean="0"/>
+              <a:t>함수안의</a:t>
+            </a:r>
+            <a:r>
+              <a:rPr lang="ko-KR" altLang="en-US" dirty="0" smtClean="0"/>
+              <a:t> </a:t>
+            </a:r>
+            <a:r>
+              <a:rPr lang="ko-KR" altLang="en-US" dirty="0" err="1" smtClean="0"/>
+              <a:t>스태틱</a:t>
+            </a:r>
+            <a:r>
+              <a:rPr lang="ko-KR" altLang="en-US" dirty="0" smtClean="0"/>
+              <a:t> 변수만 쓸 수 있다</a:t>
+            </a:r>
+            <a:r>
+              <a:rPr lang="en-US" altLang="ko-KR" dirty="0" smtClean="0"/>
+              <a:t>.</a:t>
+            </a:r>
+            <a:endParaRPr lang="ko-KR" altLang="en-US" dirty="0"/>
+          </a:p>
+        </p:txBody>
+      </p:sp>
+      <p:sp>
+        <p:nvSpPr>
+          <p:cNvPr id="4" name="슬라이드 번호 개체 틀 3"/>
+          <p:cNvSpPr>
+            <a:spLocks noGrp="1"/>
+          </p:cNvSpPr>
+          <p:nvPr>
+            <p:ph type="sldNum" sz="quarter" idx="10"/>
+          </p:nvPr>
+        </p:nvSpPr>
+        <p:spPr/>
+        <p:txBody>
+          <a:bodyPr/>
+          <a:lstStyle/>
+          <a:p>
+            <a:fld id="{15317825-7312-444A-A32A-E4ADCED38ACF}" type="slidenum">
+              <a:rPr lang="ko-KR" altLang="en-US" smtClean="0"/>
+              <a:pPr/>
+              <a:t>27</a:t>
+            </a:fld>
+            <a:endParaRPr lang="ko-KR" altLang="en-US"/>
+          </a:p>
+        </p:txBody>
+      </p:sp>
+    </p:spTree>
+    <p:extLst>
+      <p:ext uri="{BB962C8B-B14F-4D97-AF65-F5344CB8AC3E}">
+        <p14:creationId xmlns:p14="http://schemas.microsoft.com/office/powerpoint/2010/main" val="2815416497"/>
+      </p:ext>
+    </p:extLst>
   </p:cSld>
   <p:clrMapOvr>
     <a:masterClrMapping/>
@@ -1788,7 +2416,7 @@
             <a:fld id="{3A302466-FE76-40E8-BE5D-598A609EDD2B}" type="datetimeFigureOut">
               <a:rPr lang="ko-KR" altLang="en-US" smtClean="0"/>
               <a:pPr/>
-              <a:t>2022-01-27</a:t>
+              <a:t>2022-01-28</a:t>
             </a:fld>
             <a:endParaRPr lang="ko-KR" altLang="en-US"/>
           </a:p>
@@ -1960,7 +2588,7 @@
             <a:fld id="{3A302466-FE76-40E8-BE5D-598A609EDD2B}" type="datetimeFigureOut">
               <a:rPr lang="ko-KR" altLang="en-US" smtClean="0"/>
               <a:pPr/>
-              <a:t>2022-01-27</a:t>
+              <a:t>2022-01-28</a:t>
             </a:fld>
             <a:endParaRPr lang="ko-KR" altLang="en-US"/>
           </a:p>
@@ -2142,7 +2770,7 @@
             <a:fld id="{3A302466-FE76-40E8-BE5D-598A609EDD2B}" type="datetimeFigureOut">
               <a:rPr lang="ko-KR" altLang="en-US" smtClean="0"/>
               <a:pPr/>
-              <a:t>2022-01-27</a:t>
+              <a:t>2022-01-28</a:t>
             </a:fld>
             <a:endParaRPr lang="ko-KR" altLang="en-US"/>
           </a:p>
@@ -2314,7 +2942,7 @@
             <a:fld id="{3A302466-FE76-40E8-BE5D-598A609EDD2B}" type="datetimeFigureOut">
               <a:rPr lang="ko-KR" altLang="en-US" smtClean="0"/>
               <a:pPr/>
-              <a:t>2022-01-27</a:t>
+              <a:t>2022-01-28</a:t>
             </a:fld>
             <a:endParaRPr lang="ko-KR" altLang="en-US"/>
           </a:p>
@@ -2562,7 +3190,7 @@
             <a:fld id="{3A302466-FE76-40E8-BE5D-598A609EDD2B}" type="datetimeFigureOut">
               <a:rPr lang="ko-KR" altLang="en-US" smtClean="0"/>
               <a:pPr/>
-              <a:t>2022-01-27</a:t>
+              <a:t>2022-01-28</a:t>
             </a:fld>
             <a:endParaRPr lang="ko-KR" altLang="en-US"/>
           </a:p>
@@ -2852,7 +3480,7 @@
             <a:fld id="{3A302466-FE76-40E8-BE5D-598A609EDD2B}" type="datetimeFigureOut">
               <a:rPr lang="ko-KR" altLang="en-US" smtClean="0"/>
               <a:pPr/>
-              <a:t>2022-01-27</a:t>
+              <a:t>2022-01-28</a:t>
             </a:fld>
             <a:endParaRPr lang="ko-KR" altLang="en-US"/>
           </a:p>
@@ -3276,7 +3904,7 @@
             <a:fld id="{3A302466-FE76-40E8-BE5D-598A609EDD2B}" type="datetimeFigureOut">
               <a:rPr lang="ko-KR" altLang="en-US" smtClean="0"/>
               <a:pPr/>
-              <a:t>2022-01-27</a:t>
+              <a:t>2022-01-28</a:t>
             </a:fld>
             <a:endParaRPr lang="ko-KR" altLang="en-US"/>
           </a:p>
@@ -3396,7 +4024,7 @@
             <a:fld id="{3A302466-FE76-40E8-BE5D-598A609EDD2B}" type="datetimeFigureOut">
               <a:rPr lang="ko-KR" altLang="en-US" smtClean="0"/>
               <a:pPr/>
-              <a:t>2022-01-27</a:t>
+              <a:t>2022-01-28</a:t>
             </a:fld>
             <a:endParaRPr lang="ko-KR" altLang="en-US"/>
           </a:p>
@@ -3493,7 +4121,7 @@
             <a:fld id="{3A302466-FE76-40E8-BE5D-598A609EDD2B}" type="datetimeFigureOut">
               <a:rPr lang="ko-KR" altLang="en-US" smtClean="0"/>
               <a:pPr/>
-              <a:t>2022-01-27</a:t>
+              <a:t>2022-01-28</a:t>
             </a:fld>
             <a:endParaRPr lang="ko-KR" altLang="en-US"/>
           </a:p>
@@ -3772,7 +4400,7 @@
             <a:fld id="{3A302466-FE76-40E8-BE5D-598A609EDD2B}" type="datetimeFigureOut">
               <a:rPr lang="ko-KR" altLang="en-US" smtClean="0"/>
               <a:pPr/>
-              <a:t>2022-01-27</a:t>
+              <a:t>2022-01-28</a:t>
             </a:fld>
             <a:endParaRPr lang="ko-KR" altLang="en-US"/>
           </a:p>
@@ -4027,7 +4655,7 @@
             <a:fld id="{3A302466-FE76-40E8-BE5D-598A609EDD2B}" type="datetimeFigureOut">
               <a:rPr lang="ko-KR" altLang="en-US" smtClean="0"/>
               <a:pPr/>
-              <a:t>2022-01-27</a:t>
+              <a:t>2022-01-28</a:t>
             </a:fld>
             <a:endParaRPr lang="ko-KR" altLang="en-US"/>
           </a:p>
@@ -4242,7 +4870,7 @@
             <a:fld id="{3A302466-FE76-40E8-BE5D-598A609EDD2B}" type="datetimeFigureOut">
               <a:rPr lang="ko-KR" altLang="en-US" smtClean="0"/>
               <a:pPr/>
-              <a:t>2022-01-27</a:t>
+              <a:t>2022-01-28</a:t>
             </a:fld>
             <a:endParaRPr lang="ko-KR" altLang="en-US"/>
           </a:p>
@@ -27859,7 +28487,7 @@
         </p:nvSpPr>
         <p:spPr>
           <a:xfrm>
-            <a:off x="787158" y="1092452"/>
+            <a:off x="846022" y="1051663"/>
             <a:ext cx="7169218" cy="6001643"/>
           </a:xfrm>
           <a:prstGeom prst="rect">
